--- a/content/courses/graphics/ode-to-mondrian/promo.pptx
+++ b/content/courses/graphics/ode-to-mondrian/promo.pptx
@@ -3148,390 +3148,6 @@
           <a:xfrm>
             <a:off x="0" y="0"/>
             <a:ext cx="1285875" cy="1285875"/>
-          </a:xfrm>
-          <a:prstGeom prst="rect">
-            <a:avLst/>
-          </a:prstGeom>
-        </p:spPr>
-      </p:pic>
-      <p:pic>
-        <p:nvPicPr>
-          <p:cNvPr id="5" name="Picture 4" descr="thumb_87a03878-0f34-11ec-b115-1e00f30e0089.png"/>
-          <p:cNvPicPr>
-            <a:picLocks noChangeAspect="1"/>
-          </p:cNvPicPr>
-          <p:nvPr/>
-        </p:nvPicPr>
-        <p:blipFill>
-          <a:blip r:embed="rId3"/>
-          <a:stretch>
-            <a:fillRect/>
-          </a:stretch>
-        </p:blipFill>
-        <p:spPr>
-          <a:xfrm>
-            <a:off x="0" y="2571750"/>
-            <a:ext cx="1285875" cy="1465898"/>
-          </a:xfrm>
-          <a:prstGeom prst="rect">
-            <a:avLst/>
-          </a:prstGeom>
-        </p:spPr>
-      </p:pic>
-      <p:pic>
-        <p:nvPicPr>
-          <p:cNvPr id="6" name="Picture 5" descr="thumb_87b0201c-0f34-11ec-b115-1e00f30e0089.png"/>
-          <p:cNvPicPr>
-            <a:picLocks noChangeAspect="1"/>
-          </p:cNvPicPr>
-          <p:nvPr/>
-        </p:nvPicPr>
-        <p:blipFill>
-          <a:blip r:embed="rId4"/>
-          <a:stretch>
-            <a:fillRect/>
-          </a:stretch>
-        </p:blipFill>
-        <p:spPr>
-          <a:xfrm>
-            <a:off x="571500" y="2571750"/>
-            <a:ext cx="1285875" cy="1465898"/>
-          </a:xfrm>
-          <a:prstGeom prst="rect">
-            <a:avLst/>
-          </a:prstGeom>
-        </p:spPr>
-      </p:pic>
-      <p:pic>
-        <p:nvPicPr>
-          <p:cNvPr id="7" name="Picture 6" descr="thumb_87b1e708-0f34-11ec-b115-1e00f30e0089.png"/>
-          <p:cNvPicPr>
-            <a:picLocks noChangeAspect="1"/>
-          </p:cNvPicPr>
-          <p:nvPr/>
-        </p:nvPicPr>
-        <p:blipFill>
-          <a:blip r:embed="rId5"/>
-          <a:stretch>
-            <a:fillRect/>
-          </a:stretch>
-        </p:blipFill>
-        <p:spPr>
-          <a:xfrm>
-            <a:off x="1143000" y="2571750"/>
-            <a:ext cx="1285875" cy="1448752"/>
-          </a:xfrm>
-          <a:prstGeom prst="rect">
-            <a:avLst/>
-          </a:prstGeom>
-        </p:spPr>
-      </p:pic>
-      <p:pic>
-        <p:nvPicPr>
-          <p:cNvPr id="8" name="Picture 7" descr="thumb_87b40f42-0f34-11ec-b115-1e00f30e0089.png"/>
-          <p:cNvPicPr>
-            <a:picLocks noChangeAspect="1"/>
-          </p:cNvPicPr>
-          <p:nvPr/>
-        </p:nvPicPr>
-        <p:blipFill>
-          <a:blip r:embed="rId6"/>
-          <a:stretch>
-            <a:fillRect/>
-          </a:stretch>
-        </p:blipFill>
-        <p:spPr>
-          <a:xfrm>
-            <a:off x="1714500" y="2571750"/>
-            <a:ext cx="1285875" cy="1465898"/>
-          </a:xfrm>
-          <a:prstGeom prst="rect">
-            <a:avLst/>
-          </a:prstGeom>
-        </p:spPr>
-      </p:pic>
-      <p:pic>
-        <p:nvPicPr>
-          <p:cNvPr id="9" name="Picture 8" descr="thumb_d3b1f774-0f34-11ec-b115-1e00f30e0089.png"/>
-          <p:cNvPicPr>
-            <a:picLocks noChangeAspect="1"/>
-          </p:cNvPicPr>
-          <p:nvPr/>
-        </p:nvPicPr>
-        <p:blipFill>
-          <a:blip r:embed="rId7"/>
-          <a:stretch>
-            <a:fillRect/>
-          </a:stretch>
-        </p:blipFill>
-        <p:spPr>
-          <a:xfrm>
-            <a:off x="2286000" y="2571750"/>
-            <a:ext cx="1285875" cy="1285875"/>
-          </a:xfrm>
-          <a:prstGeom prst="rect">
-            <a:avLst/>
-          </a:prstGeom>
-        </p:spPr>
-      </p:pic>
-      <p:pic>
-        <p:nvPicPr>
-          <p:cNvPr id="10" name="Picture 9" descr="thumb_d3b4015e-0f34-11ec-b115-1e00f30e0089.png"/>
-          <p:cNvPicPr>
-            <a:picLocks noChangeAspect="1"/>
-          </p:cNvPicPr>
-          <p:nvPr/>
-        </p:nvPicPr>
-        <p:blipFill>
-          <a:blip r:embed="rId8"/>
-          <a:stretch>
-            <a:fillRect/>
-          </a:stretch>
-        </p:blipFill>
-        <p:spPr>
-          <a:xfrm>
-            <a:off x="2857500" y="2571750"/>
-            <a:ext cx="1285875" cy="1500188"/>
-          </a:xfrm>
-          <a:prstGeom prst="rect">
-            <a:avLst/>
-          </a:prstGeom>
-        </p:spPr>
-      </p:pic>
-      <p:pic>
-        <p:nvPicPr>
-          <p:cNvPr id="11" name="Picture 10" descr="thumb_d3b69d7e-0f34-11ec-b115-1e00f30e0089.png"/>
-          <p:cNvPicPr>
-            <a:picLocks noChangeAspect="1"/>
-          </p:cNvPicPr>
-          <p:nvPr/>
-        </p:nvPicPr>
-        <p:blipFill>
-          <a:blip r:embed="rId9"/>
-          <a:stretch>
-            <a:fillRect/>
-          </a:stretch>
-        </p:blipFill>
-        <p:spPr>
-          <a:xfrm>
-            <a:off x="3429000" y="2571750"/>
-            <a:ext cx="1285875" cy="1285875"/>
-          </a:xfrm>
-          <a:prstGeom prst="rect">
-            <a:avLst/>
-          </a:prstGeom>
-        </p:spPr>
-      </p:pic>
-      <p:pic>
-        <p:nvPicPr>
-          <p:cNvPr id="12" name="Picture 11" descr="thumb_d3b89462-0f34-11ec-b115-1e00f30e0089.png"/>
-          <p:cNvPicPr>
-            <a:picLocks noChangeAspect="1"/>
-          </p:cNvPicPr>
-          <p:nvPr/>
-        </p:nvPicPr>
-        <p:blipFill>
-          <a:blip r:embed="rId10"/>
-          <a:stretch>
-            <a:fillRect/>
-          </a:stretch>
-        </p:blipFill>
-        <p:spPr>
-          <a:xfrm>
-            <a:off x="4000500" y="2571750"/>
-            <a:ext cx="1285875" cy="803672"/>
-          </a:xfrm>
-          <a:prstGeom prst="rect">
-            <a:avLst/>
-          </a:prstGeom>
-        </p:spPr>
-      </p:pic>
-      <p:pic>
-        <p:nvPicPr>
-          <p:cNvPr id="13" name="Picture 12" descr="thumb_d3baceee-0f34-11ec-b115-1e00f30e0089.png"/>
-          <p:cNvPicPr>
-            <a:picLocks noChangeAspect="1"/>
-          </p:cNvPicPr>
-          <p:nvPr/>
-        </p:nvPicPr>
-        <p:blipFill>
-          <a:blip r:embed="rId11"/>
-          <a:stretch>
-            <a:fillRect/>
-          </a:stretch>
-        </p:blipFill>
-        <p:spPr>
-          <a:xfrm>
-            <a:off x="4572000" y="2571750"/>
-            <a:ext cx="1285875" cy="1337310"/>
-          </a:xfrm>
-          <a:prstGeom prst="rect">
-            <a:avLst/>
-          </a:prstGeom>
-        </p:spPr>
-      </p:pic>
-      <p:pic>
-        <p:nvPicPr>
-          <p:cNvPr id="14" name="Picture 13" descr="thumb_d3bcdf22-0f34-11ec-b115-1e00f30e0089.png"/>
-          <p:cNvPicPr>
-            <a:picLocks noChangeAspect="1"/>
-          </p:cNvPicPr>
-          <p:nvPr/>
-        </p:nvPicPr>
-        <p:blipFill>
-          <a:blip r:embed="rId12"/>
-          <a:stretch>
-            <a:fillRect/>
-          </a:stretch>
-        </p:blipFill>
-        <p:spPr>
-          <a:xfrm>
-            <a:off x="5143500" y="2571750"/>
-            <a:ext cx="1285875" cy="1714500"/>
-          </a:xfrm>
-          <a:prstGeom prst="rect">
-            <a:avLst/>
-          </a:prstGeom>
-        </p:spPr>
-      </p:pic>
-      <p:pic>
-        <p:nvPicPr>
-          <p:cNvPr id="15" name="Picture 14" descr="thumb_d42758f2-0f34-11ec-b115-1e00f30e0089.png"/>
-          <p:cNvPicPr>
-            <a:picLocks noChangeAspect="1"/>
-          </p:cNvPicPr>
-          <p:nvPr/>
-        </p:nvPicPr>
-        <p:blipFill>
-          <a:blip r:embed="rId13"/>
-          <a:stretch>
-            <a:fillRect/>
-          </a:stretch>
-        </p:blipFill>
-        <p:spPr>
-          <a:xfrm>
-            <a:off x="5715000" y="2571750"/>
-            <a:ext cx="1285875" cy="1465898"/>
-          </a:xfrm>
-          <a:prstGeom prst="rect">
-            <a:avLst/>
-          </a:prstGeom>
-        </p:spPr>
-      </p:pic>
-      <p:pic>
-        <p:nvPicPr>
-          <p:cNvPr id="16" name="Picture 15" descr="thumb_d42a5778-0f34-11ec-b115-1e00f30e0089.png"/>
-          <p:cNvPicPr>
-            <a:picLocks noChangeAspect="1"/>
-          </p:cNvPicPr>
-          <p:nvPr/>
-        </p:nvPicPr>
-        <p:blipFill>
-          <a:blip r:embed="rId14"/>
-          <a:stretch>
-            <a:fillRect/>
-          </a:stretch>
-        </p:blipFill>
-        <p:spPr>
-          <a:xfrm>
-            <a:off x="6286500" y="2571750"/>
-            <a:ext cx="1285875" cy="1397318"/>
-          </a:xfrm>
-          <a:prstGeom prst="rect">
-            <a:avLst/>
-          </a:prstGeom>
-        </p:spPr>
-      </p:pic>
-      <p:pic>
-        <p:nvPicPr>
-          <p:cNvPr id="17" name="Picture 16" descr="thumb_d42ea580-0f34-11ec-b115-1e00f30e0089.png"/>
-          <p:cNvPicPr>
-            <a:picLocks noChangeAspect="1"/>
-          </p:cNvPicPr>
-          <p:nvPr/>
-        </p:nvPicPr>
-        <p:blipFill>
-          <a:blip r:embed="rId15"/>
-          <a:stretch>
-            <a:fillRect/>
-          </a:stretch>
-        </p:blipFill>
-        <p:spPr>
-          <a:xfrm>
-            <a:off x="6858000" y="2571750"/>
-            <a:ext cx="1285875" cy="1380172"/>
-          </a:xfrm>
-          <a:prstGeom prst="rect">
-            <a:avLst/>
-          </a:prstGeom>
-        </p:spPr>
-      </p:pic>
-      <p:pic>
-        <p:nvPicPr>
-          <p:cNvPr id="18" name="Picture 17" descr="thumb_d45b2222-0f34-11ec-b115-1e00f30e0089.png"/>
-          <p:cNvPicPr>
-            <a:picLocks noChangeAspect="1"/>
-          </p:cNvPicPr>
-          <p:nvPr/>
-        </p:nvPicPr>
-        <p:blipFill>
-          <a:blip r:embed="rId16"/>
-          <a:stretch>
-            <a:fillRect/>
-          </a:stretch>
-        </p:blipFill>
-        <p:spPr>
-          <a:xfrm>
-            <a:off x="7429500" y="2571750"/>
-            <a:ext cx="1285875" cy="1285875"/>
-          </a:xfrm>
-          <a:prstGeom prst="rect">
-            <a:avLst/>
-          </a:prstGeom>
-        </p:spPr>
-      </p:pic>
-      <p:pic>
-        <p:nvPicPr>
-          <p:cNvPr id="19" name="Picture 18" descr="thumb_d45cdcac-0f34-11ec-b115-1e00f30e0089.png"/>
-          <p:cNvPicPr>
-            <a:picLocks noChangeAspect="1"/>
-          </p:cNvPicPr>
-          <p:nvPr/>
-        </p:nvPicPr>
-        <p:blipFill>
-          <a:blip r:embed="rId17"/>
-          <a:stretch>
-            <a:fillRect/>
-          </a:stretch>
-        </p:blipFill>
-        <p:spPr>
-          <a:xfrm>
-            <a:off x="8001000" y="2571750"/>
-            <a:ext cx="1285875" cy="1465898"/>
-          </a:xfrm>
-          <a:prstGeom prst="rect">
-            <a:avLst/>
-          </a:prstGeom>
-        </p:spPr>
-      </p:pic>
-      <p:pic>
-        <p:nvPicPr>
-          <p:cNvPr id="20" name="Picture 19" descr="thumb_d45fa1ee-0f34-11ec-b115-1e00f30e0089.png"/>
-          <p:cNvPicPr>
-            <a:picLocks noChangeAspect="1"/>
-          </p:cNvPicPr>
-          <p:nvPr/>
-        </p:nvPicPr>
-        <p:blipFill>
-          <a:blip r:embed="rId18"/>
-          <a:stretch>
-            <a:fillRect/>
-          </a:stretch>
-        </p:blipFill>
-        <p:spPr>
-          <a:xfrm>
-            <a:off x="8572500" y="2571750"/>
-            <a:ext cx="1285875" cy="1236418"/>
           </a:xfrm>
           <a:prstGeom prst="rect">
             <a:avLst/>

--- a/content/courses/graphics/ode-to-mondrian/promo.pptx
+++ b/content/courses/graphics/ode-to-mondrian/promo.pptx
@@ -3148,6 +3148,366 @@
           <a:xfrm>
             <a:off x="0" y="0"/>
             <a:ext cx="1285875" cy="1285875"/>
+          </a:xfrm>
+          <a:prstGeom prst="rect">
+            <a:avLst/>
+          </a:prstGeom>
+        </p:spPr>
+      </p:pic>
+      <p:pic>
+        <p:nvPicPr>
+          <p:cNvPr id="5" name="Picture 4" descr="thumb_85f91c14-0f35-11ec-a5fb-1e00f30e0089.png"/>
+          <p:cNvPicPr>
+            <a:picLocks noChangeAspect="1"/>
+          </p:cNvPicPr>
+          <p:nvPr/>
+        </p:nvPicPr>
+        <p:blipFill>
+          <a:blip r:embed="rId3"/>
+          <a:stretch>
+            <a:fillRect/>
+          </a:stretch>
+        </p:blipFill>
+        <p:spPr>
+          <a:xfrm>
+            <a:off x="0" y="2571750"/>
+            <a:ext cx="1285875" cy="1465898"/>
+          </a:xfrm>
+          <a:prstGeom prst="rect">
+            <a:avLst/>
+          </a:prstGeom>
+        </p:spPr>
+      </p:pic>
+      <p:pic>
+        <p:nvPicPr>
+          <p:cNvPr id="6" name="Picture 5" descr="thumb_86004250-0f35-11ec-a5fb-1e00f30e0089.png"/>
+          <p:cNvPicPr>
+            <a:picLocks noChangeAspect="1"/>
+          </p:cNvPicPr>
+          <p:nvPr/>
+        </p:nvPicPr>
+        <p:blipFill>
+          <a:blip r:embed="rId4"/>
+          <a:stretch>
+            <a:fillRect/>
+          </a:stretch>
+        </p:blipFill>
+        <p:spPr>
+          <a:xfrm>
+            <a:off x="609600" y="2571750"/>
+            <a:ext cx="1285875" cy="1448752"/>
+          </a:xfrm>
+          <a:prstGeom prst="rect">
+            <a:avLst/>
+          </a:prstGeom>
+        </p:spPr>
+      </p:pic>
+      <p:pic>
+        <p:nvPicPr>
+          <p:cNvPr id="7" name="Picture 6" descr="thumb_860273a4-0f35-11ec-a5fb-1e00f30e0089.png"/>
+          <p:cNvPicPr>
+            <a:picLocks noChangeAspect="1"/>
+          </p:cNvPicPr>
+          <p:nvPr/>
+        </p:nvPicPr>
+        <p:blipFill>
+          <a:blip r:embed="rId5"/>
+          <a:stretch>
+            <a:fillRect/>
+          </a:stretch>
+        </p:blipFill>
+        <p:spPr>
+          <a:xfrm>
+            <a:off x="1219200" y="2571750"/>
+            <a:ext cx="1285875" cy="1465898"/>
+          </a:xfrm>
+          <a:prstGeom prst="rect">
+            <a:avLst/>
+          </a:prstGeom>
+        </p:spPr>
+      </p:pic>
+      <p:pic>
+        <p:nvPicPr>
+          <p:cNvPr id="8" name="Picture 7" descr="thumb_8aa125cc-0f35-11ec-a5fb-1e00f30e0089.png"/>
+          <p:cNvPicPr>
+            <a:picLocks noChangeAspect="1"/>
+          </p:cNvPicPr>
+          <p:nvPr/>
+        </p:nvPicPr>
+        <p:blipFill>
+          <a:blip r:embed="rId6"/>
+          <a:stretch>
+            <a:fillRect/>
+          </a:stretch>
+        </p:blipFill>
+        <p:spPr>
+          <a:xfrm>
+            <a:off x="1828800" y="2571750"/>
+            <a:ext cx="1285875" cy="1285875"/>
+          </a:xfrm>
+          <a:prstGeom prst="rect">
+            <a:avLst/>
+          </a:prstGeom>
+        </p:spPr>
+      </p:pic>
+      <p:pic>
+        <p:nvPicPr>
+          <p:cNvPr id="9" name="Picture 8" descr="thumb_8aa359b4-0f35-11ec-a5fb-1e00f30e0089.png"/>
+          <p:cNvPicPr>
+            <a:picLocks noChangeAspect="1"/>
+          </p:cNvPicPr>
+          <p:nvPr/>
+        </p:nvPicPr>
+        <p:blipFill>
+          <a:blip r:embed="rId7"/>
+          <a:stretch>
+            <a:fillRect/>
+          </a:stretch>
+        </p:blipFill>
+        <p:spPr>
+          <a:xfrm>
+            <a:off x="2438400" y="2571750"/>
+            <a:ext cx="1285875" cy="1500188"/>
+          </a:xfrm>
+          <a:prstGeom prst="rect">
+            <a:avLst/>
+          </a:prstGeom>
+        </p:spPr>
+      </p:pic>
+      <p:pic>
+        <p:nvPicPr>
+          <p:cNvPr id="10" name="Picture 9" descr="thumb_8aa600c4-0f35-11ec-a5fb-1e00f30e0089.png"/>
+          <p:cNvPicPr>
+            <a:picLocks noChangeAspect="1"/>
+          </p:cNvPicPr>
+          <p:nvPr/>
+        </p:nvPicPr>
+        <p:blipFill>
+          <a:blip r:embed="rId8"/>
+          <a:stretch>
+            <a:fillRect/>
+          </a:stretch>
+        </p:blipFill>
+        <p:spPr>
+          <a:xfrm>
+            <a:off x="3048000" y="2571750"/>
+            <a:ext cx="1285875" cy="1285875"/>
+          </a:xfrm>
+          <a:prstGeom prst="rect">
+            <a:avLst/>
+          </a:prstGeom>
+        </p:spPr>
+      </p:pic>
+      <p:pic>
+        <p:nvPicPr>
+          <p:cNvPr id="11" name="Picture 10" descr="thumb_8aa7dbb0-0f35-11ec-a5fb-1e00f30e0089.png"/>
+          <p:cNvPicPr>
+            <a:picLocks noChangeAspect="1"/>
+          </p:cNvPicPr>
+          <p:nvPr/>
+        </p:nvPicPr>
+        <p:blipFill>
+          <a:blip r:embed="rId9"/>
+          <a:stretch>
+            <a:fillRect/>
+          </a:stretch>
+        </p:blipFill>
+        <p:spPr>
+          <a:xfrm>
+            <a:off x="3657600" y="2571750"/>
+            <a:ext cx="1285875" cy="803672"/>
+          </a:xfrm>
+          <a:prstGeom prst="rect">
+            <a:avLst/>
+          </a:prstGeom>
+        </p:spPr>
+      </p:pic>
+      <p:pic>
+        <p:nvPicPr>
+          <p:cNvPr id="12" name="Picture 11" descr="thumb_8aaa17e0-0f35-11ec-a5fb-1e00f30e0089.png"/>
+          <p:cNvPicPr>
+            <a:picLocks noChangeAspect="1"/>
+          </p:cNvPicPr>
+          <p:nvPr/>
+        </p:nvPicPr>
+        <p:blipFill>
+          <a:blip r:embed="rId10"/>
+          <a:stretch>
+            <a:fillRect/>
+          </a:stretch>
+        </p:blipFill>
+        <p:spPr>
+          <a:xfrm>
+            <a:off x="4267200" y="2571750"/>
+            <a:ext cx="1285875" cy="1337310"/>
+          </a:xfrm>
+          <a:prstGeom prst="rect">
+            <a:avLst/>
+          </a:prstGeom>
+        </p:spPr>
+      </p:pic>
+      <p:pic>
+        <p:nvPicPr>
+          <p:cNvPr id="13" name="Picture 12" descr="thumb_8aac4d12-0f35-11ec-a5fb-1e00f30e0089.png"/>
+          <p:cNvPicPr>
+            <a:picLocks noChangeAspect="1"/>
+          </p:cNvPicPr>
+          <p:nvPr/>
+        </p:nvPicPr>
+        <p:blipFill>
+          <a:blip r:embed="rId11"/>
+          <a:stretch>
+            <a:fillRect/>
+          </a:stretch>
+        </p:blipFill>
+        <p:spPr>
+          <a:xfrm>
+            <a:off x="4876800" y="2571750"/>
+            <a:ext cx="1285875" cy="1714500"/>
+          </a:xfrm>
+          <a:prstGeom prst="rect">
+            <a:avLst/>
+          </a:prstGeom>
+        </p:spPr>
+      </p:pic>
+      <p:pic>
+        <p:nvPicPr>
+          <p:cNvPr id="14" name="Picture 13" descr="thumb_8d32e12c-0f35-11ec-a5fb-1e00f30e0089.png"/>
+          <p:cNvPicPr>
+            <a:picLocks noChangeAspect="1"/>
+          </p:cNvPicPr>
+          <p:nvPr/>
+        </p:nvPicPr>
+        <p:blipFill>
+          <a:blip r:embed="rId12"/>
+          <a:stretch>
+            <a:fillRect/>
+          </a:stretch>
+        </p:blipFill>
+        <p:spPr>
+          <a:xfrm>
+            <a:off x="5486400" y="2571750"/>
+            <a:ext cx="1285875" cy="1465898"/>
+          </a:xfrm>
+          <a:prstGeom prst="rect">
+            <a:avLst/>
+          </a:prstGeom>
+        </p:spPr>
+      </p:pic>
+      <p:pic>
+        <p:nvPicPr>
+          <p:cNvPr id="15" name="Picture 14" descr="thumb_8d35f07e-0f35-11ec-a5fb-1e00f30e0089.png"/>
+          <p:cNvPicPr>
+            <a:picLocks noChangeAspect="1"/>
+          </p:cNvPicPr>
+          <p:nvPr/>
+        </p:nvPicPr>
+        <p:blipFill>
+          <a:blip r:embed="rId13"/>
+          <a:stretch>
+            <a:fillRect/>
+          </a:stretch>
+        </p:blipFill>
+        <p:spPr>
+          <a:xfrm>
+            <a:off x="6096000" y="2571750"/>
+            <a:ext cx="1285875" cy="1397318"/>
+          </a:xfrm>
+          <a:prstGeom prst="rect">
+            <a:avLst/>
+          </a:prstGeom>
+        </p:spPr>
+      </p:pic>
+      <p:pic>
+        <p:nvPicPr>
+          <p:cNvPr id="16" name="Picture 15" descr="thumb_8d3ab190-0f35-11ec-a5fb-1e00f30e0089.png"/>
+          <p:cNvPicPr>
+            <a:picLocks noChangeAspect="1"/>
+          </p:cNvPicPr>
+          <p:nvPr/>
+        </p:nvPicPr>
+        <p:blipFill>
+          <a:blip r:embed="rId14"/>
+          <a:stretch>
+            <a:fillRect/>
+          </a:stretch>
+        </p:blipFill>
+        <p:spPr>
+          <a:xfrm>
+            <a:off x="6705600" y="2571750"/>
+            <a:ext cx="1285875" cy="1380172"/>
+          </a:xfrm>
+          <a:prstGeom prst="rect">
+            <a:avLst/>
+          </a:prstGeom>
+        </p:spPr>
+      </p:pic>
+      <p:pic>
+        <p:nvPicPr>
+          <p:cNvPr id="17" name="Picture 16" descr="thumb_8d3d495a-0f35-11ec-a5fb-1e00f30e0089.png"/>
+          <p:cNvPicPr>
+            <a:picLocks noChangeAspect="1"/>
+          </p:cNvPicPr>
+          <p:nvPr/>
+        </p:nvPicPr>
+        <p:blipFill>
+          <a:blip r:embed="rId15"/>
+          <a:stretch>
+            <a:fillRect/>
+          </a:stretch>
+        </p:blipFill>
+        <p:spPr>
+          <a:xfrm>
+            <a:off x="7315200" y="2571750"/>
+            <a:ext cx="1285875" cy="1465898"/>
+          </a:xfrm>
+          <a:prstGeom prst="rect">
+            <a:avLst/>
+          </a:prstGeom>
+        </p:spPr>
+      </p:pic>
+      <p:pic>
+        <p:nvPicPr>
+          <p:cNvPr id="18" name="Picture 17" descr="thumb_8d71ba46-0f35-11ec-a5fb-1e00f30e0089.png"/>
+          <p:cNvPicPr>
+            <a:picLocks noChangeAspect="1"/>
+          </p:cNvPicPr>
+          <p:nvPr/>
+        </p:nvPicPr>
+        <p:blipFill>
+          <a:blip r:embed="rId16"/>
+          <a:stretch>
+            <a:fillRect/>
+          </a:stretch>
+        </p:blipFill>
+        <p:spPr>
+          <a:xfrm>
+            <a:off x="7924800" y="2571750"/>
+            <a:ext cx="1285875" cy="1465898"/>
+          </a:xfrm>
+          <a:prstGeom prst="rect">
+            <a:avLst/>
+          </a:prstGeom>
+        </p:spPr>
+      </p:pic>
+      <p:pic>
+        <p:nvPicPr>
+          <p:cNvPr id="19" name="Picture 18" descr="thumb_8d74d848-0f35-11ec-a5fb-1e00f30e0089.png"/>
+          <p:cNvPicPr>
+            <a:picLocks noChangeAspect="1"/>
+          </p:cNvPicPr>
+          <p:nvPr/>
+        </p:nvPicPr>
+        <p:blipFill>
+          <a:blip r:embed="rId17"/>
+          <a:stretch>
+            <a:fillRect/>
+          </a:stretch>
+        </p:blipFill>
+        <p:spPr>
+          <a:xfrm>
+            <a:off x="8534400" y="2571750"/>
+            <a:ext cx="1285875" cy="1236418"/>
           </a:xfrm>
           <a:prstGeom prst="rect">
             <a:avLst/>
